--- a/요약.pptx
+++ b/요약.pptx
@@ -7,6 +7,8 @@
   <p:sldIdLst>
     <p:sldId id="256" r:id="rId2"/>
     <p:sldId id="257" r:id="rId3"/>
+    <p:sldId id="258" r:id="rId4"/>
+    <p:sldId id="259" r:id="rId5"/>
   </p:sldIdLst>
   <p:sldSz cx="12192000" cy="6858000"/>
   <p:notesSz cx="6858000" cy="9144000"/>
@@ -105,6 +107,11 @@
       </a:defRPr>
     </a:lvl9pPr>
   </p:defaultTextStyle>
+  <p:extLst>
+    <p:ext uri="{EFAFB233-063F-42B5-8137-9DF3F51BA10A}">
+      <p15:sldGuideLst xmlns:p15="http://schemas.microsoft.com/office/powerpoint/2012/main"/>
+    </p:ext>
+  </p:extLst>
 </p:presentation>
 </file>
 
@@ -255,7 +262,7 @@
           <a:p>
             <a:fld id="{9771456D-2A58-4494-A62F-9B7631FAEAF9}" type="datetimeFigureOut">
               <a:rPr lang="ko-KR" altLang="en-US" smtClean="0"/>
-              <a:t>2023-06-14</a:t>
+              <a:t>2023-06-15</a:t>
             </a:fld>
             <a:endParaRPr lang="ko-KR" altLang="en-US"/>
           </a:p>
@@ -453,7 +460,7 @@
           <a:p>
             <a:fld id="{9771456D-2A58-4494-A62F-9B7631FAEAF9}" type="datetimeFigureOut">
               <a:rPr lang="ko-KR" altLang="en-US" smtClean="0"/>
-              <a:t>2023-06-14</a:t>
+              <a:t>2023-06-15</a:t>
             </a:fld>
             <a:endParaRPr lang="ko-KR" altLang="en-US"/>
           </a:p>
@@ -661,7 +668,7 @@
           <a:p>
             <a:fld id="{9771456D-2A58-4494-A62F-9B7631FAEAF9}" type="datetimeFigureOut">
               <a:rPr lang="ko-KR" altLang="en-US" smtClean="0"/>
-              <a:t>2023-06-14</a:t>
+              <a:t>2023-06-15</a:t>
             </a:fld>
             <a:endParaRPr lang="ko-KR" altLang="en-US"/>
           </a:p>
@@ -859,7 +866,7 @@
           <a:p>
             <a:fld id="{9771456D-2A58-4494-A62F-9B7631FAEAF9}" type="datetimeFigureOut">
               <a:rPr lang="ko-KR" altLang="en-US" smtClean="0"/>
-              <a:t>2023-06-14</a:t>
+              <a:t>2023-06-15</a:t>
             </a:fld>
             <a:endParaRPr lang="ko-KR" altLang="en-US"/>
           </a:p>
@@ -1134,7 +1141,7 @@
           <a:p>
             <a:fld id="{9771456D-2A58-4494-A62F-9B7631FAEAF9}" type="datetimeFigureOut">
               <a:rPr lang="ko-KR" altLang="en-US" smtClean="0"/>
-              <a:t>2023-06-14</a:t>
+              <a:t>2023-06-15</a:t>
             </a:fld>
             <a:endParaRPr lang="ko-KR" altLang="en-US"/>
           </a:p>
@@ -1399,7 +1406,7 @@
           <a:p>
             <a:fld id="{9771456D-2A58-4494-A62F-9B7631FAEAF9}" type="datetimeFigureOut">
               <a:rPr lang="ko-KR" altLang="en-US" smtClean="0"/>
-              <a:t>2023-06-14</a:t>
+              <a:t>2023-06-15</a:t>
             </a:fld>
             <a:endParaRPr lang="ko-KR" altLang="en-US"/>
           </a:p>
@@ -1811,7 +1818,7 @@
           <a:p>
             <a:fld id="{9771456D-2A58-4494-A62F-9B7631FAEAF9}" type="datetimeFigureOut">
               <a:rPr lang="ko-KR" altLang="en-US" smtClean="0"/>
-              <a:t>2023-06-14</a:t>
+              <a:t>2023-06-15</a:t>
             </a:fld>
             <a:endParaRPr lang="ko-KR" altLang="en-US"/>
           </a:p>
@@ -1952,7 +1959,7 @@
           <a:p>
             <a:fld id="{9771456D-2A58-4494-A62F-9B7631FAEAF9}" type="datetimeFigureOut">
               <a:rPr lang="ko-KR" altLang="en-US" smtClean="0"/>
-              <a:t>2023-06-14</a:t>
+              <a:t>2023-06-15</a:t>
             </a:fld>
             <a:endParaRPr lang="ko-KR" altLang="en-US"/>
           </a:p>
@@ -2065,7 +2072,7 @@
           <a:p>
             <a:fld id="{9771456D-2A58-4494-A62F-9B7631FAEAF9}" type="datetimeFigureOut">
               <a:rPr lang="ko-KR" altLang="en-US" smtClean="0"/>
-              <a:t>2023-06-14</a:t>
+              <a:t>2023-06-15</a:t>
             </a:fld>
             <a:endParaRPr lang="ko-KR" altLang="en-US"/>
           </a:p>
@@ -2376,7 +2383,7 @@
           <a:p>
             <a:fld id="{9771456D-2A58-4494-A62F-9B7631FAEAF9}" type="datetimeFigureOut">
               <a:rPr lang="ko-KR" altLang="en-US" smtClean="0"/>
-              <a:t>2023-06-14</a:t>
+              <a:t>2023-06-15</a:t>
             </a:fld>
             <a:endParaRPr lang="ko-KR" altLang="en-US"/>
           </a:p>
@@ -2664,7 +2671,7 @@
           <a:p>
             <a:fld id="{9771456D-2A58-4494-A62F-9B7631FAEAF9}" type="datetimeFigureOut">
               <a:rPr lang="ko-KR" altLang="en-US" smtClean="0"/>
-              <a:t>2023-06-14</a:t>
+              <a:t>2023-06-15</a:t>
             </a:fld>
             <a:endParaRPr lang="ko-KR" altLang="en-US"/>
           </a:p>
@@ -2905,7 +2912,7 @@
           <a:p>
             <a:fld id="{9771456D-2A58-4494-A62F-9B7631FAEAF9}" type="datetimeFigureOut">
               <a:rPr lang="ko-KR" altLang="en-US" smtClean="0"/>
-              <a:t>2023-06-14</a:t>
+              <a:t>2023-06-15</a:t>
             </a:fld>
             <a:endParaRPr lang="ko-KR" altLang="en-US"/>
           </a:p>
@@ -3520,6 +3527,321 @@
 </p:sld>
 </file>
 
+<file path=ppt/slides/slide3.xml><?xml version="1.0" encoding="utf-8"?>
+<p:sld xmlns:a="http://schemas.openxmlformats.org/drawingml/2006/main" xmlns:r="http://schemas.openxmlformats.org/officeDocument/2006/relationships" xmlns:p="http://schemas.openxmlformats.org/presentationml/2006/main">
+  <p:cSld>
+    <p:spTree>
+      <p:nvGrpSpPr>
+        <p:cNvPr id="1" name=""/>
+        <p:cNvGrpSpPr/>
+        <p:nvPr/>
+      </p:nvGrpSpPr>
+      <p:grpSpPr>
+        <a:xfrm>
+          <a:off x="0" y="0"/>
+          <a:ext cx="0" cy="0"/>
+          <a:chOff x="0" y="0"/>
+          <a:chExt cx="0" cy="0"/>
+        </a:xfrm>
+      </p:grpSpPr>
+      <p:sp>
+        <p:nvSpPr>
+          <p:cNvPr id="2" name="제목 1">
+            <a:extLst>
+              <a:ext uri="{FF2B5EF4-FFF2-40B4-BE49-F238E27FC236}">
+                <a16:creationId xmlns:a16="http://schemas.microsoft.com/office/drawing/2014/main" id="{FD8D0A4A-87C2-F537-CC18-4793A8073948}"/>
+              </a:ext>
+            </a:extLst>
+          </p:cNvPr>
+          <p:cNvSpPr>
+            <a:spLocks noGrp="1"/>
+          </p:cNvSpPr>
+          <p:nvPr>
+            <p:ph type="title"/>
+          </p:nvPr>
+        </p:nvSpPr>
+        <p:spPr/>
+        <p:txBody>
+          <a:bodyPr/>
+          <a:lstStyle/>
+          <a:p>
+            <a:endParaRPr lang="ko-KR" altLang="en-US"/>
+          </a:p>
+        </p:txBody>
+      </p:sp>
+      <p:sp>
+        <p:nvSpPr>
+          <p:cNvPr id="3" name="내용 개체 틀 2">
+            <a:extLst>
+              <a:ext uri="{FF2B5EF4-FFF2-40B4-BE49-F238E27FC236}">
+                <a16:creationId xmlns:a16="http://schemas.microsoft.com/office/drawing/2014/main" id="{02BE1EF3-24A3-90AA-E5C2-074F0D78D9F9}"/>
+              </a:ext>
+            </a:extLst>
+          </p:cNvPr>
+          <p:cNvSpPr>
+            <a:spLocks noGrp="1"/>
+          </p:cNvSpPr>
+          <p:nvPr>
+            <p:ph idx="1"/>
+          </p:nvPr>
+        </p:nvSpPr>
+        <p:spPr/>
+        <p:txBody>
+          <a:bodyPr/>
+          <a:lstStyle/>
+          <a:p>
+            <a:endParaRPr lang="ko-KR" altLang="en-US"/>
+          </a:p>
+        </p:txBody>
+      </p:sp>
+      <p:sp>
+        <p:nvSpPr>
+          <p:cNvPr id="4" name="TextBox 3">
+            <a:extLst>
+              <a:ext uri="{FF2B5EF4-FFF2-40B4-BE49-F238E27FC236}">
+                <a16:creationId xmlns:a16="http://schemas.microsoft.com/office/drawing/2014/main" id="{842A9B52-3E4B-5237-FCCE-4537F4F7D782}"/>
+              </a:ext>
+            </a:extLst>
+          </p:cNvPr>
+          <p:cNvSpPr txBox="1"/>
+          <p:nvPr/>
+        </p:nvSpPr>
+        <p:spPr>
+          <a:xfrm>
+            <a:off x="164123" y="93785"/>
+            <a:ext cx="958917" cy="369332"/>
+          </a:xfrm>
+          <a:prstGeom prst="rect">
+            <a:avLst/>
+          </a:prstGeom>
+          <a:noFill/>
+        </p:spPr>
+        <p:txBody>
+          <a:bodyPr wrap="none" rtlCol="0">
+            <a:spAutoFit/>
+          </a:bodyPr>
+          <a:lstStyle/>
+          <a:p>
+            <a:r>
+              <a:rPr lang="ko-KR" altLang="en-US" dirty="0"/>
+              <a:t>눈 성능</a:t>
+            </a:r>
+          </a:p>
+        </p:txBody>
+      </p:sp>
+      <p:pic>
+        <p:nvPicPr>
+          <p:cNvPr id="6" name="그림 5">
+            <a:extLst>
+              <a:ext uri="{FF2B5EF4-FFF2-40B4-BE49-F238E27FC236}">
+                <a16:creationId xmlns:a16="http://schemas.microsoft.com/office/drawing/2014/main" id="{7586DDED-2214-956F-37B6-92A755195D17}"/>
+              </a:ext>
+            </a:extLst>
+          </p:cNvPr>
+          <p:cNvPicPr>
+            <a:picLocks noChangeAspect="1"/>
+          </p:cNvPicPr>
+          <p:nvPr/>
+        </p:nvPicPr>
+        <p:blipFill>
+          <a:blip r:embed="rId2"/>
+          <a:stretch>
+            <a:fillRect/>
+          </a:stretch>
+        </p:blipFill>
+        <p:spPr>
+          <a:xfrm>
+            <a:off x="1771046" y="1066470"/>
+            <a:ext cx="8649907" cy="4725059"/>
+          </a:xfrm>
+          <a:prstGeom prst="rect">
+            <a:avLst/>
+          </a:prstGeom>
+        </p:spPr>
+      </p:pic>
+      <p:pic>
+        <p:nvPicPr>
+          <p:cNvPr id="8" name="그림 7">
+            <a:extLst>
+              <a:ext uri="{FF2B5EF4-FFF2-40B4-BE49-F238E27FC236}">
+                <a16:creationId xmlns:a16="http://schemas.microsoft.com/office/drawing/2014/main" id="{527C1A94-1B02-F2AC-E2DD-293982B7CBE5}"/>
+              </a:ext>
+            </a:extLst>
+          </p:cNvPr>
+          <p:cNvPicPr>
+            <a:picLocks noChangeAspect="1"/>
+          </p:cNvPicPr>
+          <p:nvPr/>
+        </p:nvPicPr>
+        <p:blipFill>
+          <a:blip r:embed="rId3"/>
+          <a:stretch>
+            <a:fillRect/>
+          </a:stretch>
+        </p:blipFill>
+        <p:spPr>
+          <a:xfrm>
+            <a:off x="7164328" y="3267562"/>
+            <a:ext cx="4544059" cy="3705742"/>
+          </a:xfrm>
+          <a:prstGeom prst="rect">
+            <a:avLst/>
+          </a:prstGeom>
+        </p:spPr>
+      </p:pic>
+    </p:spTree>
+    <p:extLst>
+      <p:ext uri="{BB962C8B-B14F-4D97-AF65-F5344CB8AC3E}">
+        <p14:creationId xmlns:p14="http://schemas.microsoft.com/office/powerpoint/2010/main" val="833194616"/>
+      </p:ext>
+    </p:extLst>
+  </p:cSld>
+  <p:clrMapOvr>
+    <a:masterClrMapping/>
+  </p:clrMapOvr>
+</p:sld>
+</file>
+
+<file path=ppt/slides/slide4.xml><?xml version="1.0" encoding="utf-8"?>
+<p:sld xmlns:a="http://schemas.openxmlformats.org/drawingml/2006/main" xmlns:r="http://schemas.openxmlformats.org/officeDocument/2006/relationships" xmlns:p="http://schemas.openxmlformats.org/presentationml/2006/main">
+  <p:cSld>
+    <p:spTree>
+      <p:nvGrpSpPr>
+        <p:cNvPr id="1" name=""/>
+        <p:cNvGrpSpPr/>
+        <p:nvPr/>
+      </p:nvGrpSpPr>
+      <p:grpSpPr>
+        <a:xfrm>
+          <a:off x="0" y="0"/>
+          <a:ext cx="0" cy="0"/>
+          <a:chOff x="0" y="0"/>
+          <a:chExt cx="0" cy="0"/>
+        </a:xfrm>
+      </p:grpSpPr>
+      <p:sp>
+        <p:nvSpPr>
+          <p:cNvPr id="2" name="제목 1">
+            <a:extLst>
+              <a:ext uri="{FF2B5EF4-FFF2-40B4-BE49-F238E27FC236}">
+                <a16:creationId xmlns:a16="http://schemas.microsoft.com/office/drawing/2014/main" id="{D35969FB-D03C-BB26-DC9D-191E8CC7A7F8}"/>
+              </a:ext>
+            </a:extLst>
+          </p:cNvPr>
+          <p:cNvSpPr>
+            <a:spLocks noGrp="1"/>
+          </p:cNvSpPr>
+          <p:nvPr>
+            <p:ph type="title"/>
+          </p:nvPr>
+        </p:nvSpPr>
+        <p:spPr/>
+        <p:txBody>
+          <a:bodyPr/>
+          <a:lstStyle/>
+          <a:p>
+            <a:endParaRPr lang="ko-KR" altLang="en-US"/>
+          </a:p>
+        </p:txBody>
+      </p:sp>
+      <p:sp>
+        <p:nvSpPr>
+          <p:cNvPr id="3" name="내용 개체 틀 2">
+            <a:extLst>
+              <a:ext uri="{FF2B5EF4-FFF2-40B4-BE49-F238E27FC236}">
+                <a16:creationId xmlns:a16="http://schemas.microsoft.com/office/drawing/2014/main" id="{12EF5D21-C301-798D-DA4C-401E990D5583}"/>
+              </a:ext>
+            </a:extLst>
+          </p:cNvPr>
+          <p:cNvSpPr>
+            <a:spLocks noGrp="1"/>
+          </p:cNvSpPr>
+          <p:nvPr>
+            <p:ph idx="1"/>
+          </p:nvPr>
+        </p:nvSpPr>
+        <p:spPr/>
+        <p:txBody>
+          <a:bodyPr/>
+          <a:lstStyle/>
+          <a:p>
+            <a:endParaRPr lang="ko-KR" altLang="en-US"/>
+          </a:p>
+        </p:txBody>
+      </p:sp>
+      <p:pic>
+        <p:nvPicPr>
+          <p:cNvPr id="5" name="그림 4">
+            <a:extLst>
+              <a:ext uri="{FF2B5EF4-FFF2-40B4-BE49-F238E27FC236}">
+                <a16:creationId xmlns:a16="http://schemas.microsoft.com/office/drawing/2014/main" id="{4729BED9-3F18-C0D2-2EF8-38DFA1F14B04}"/>
+              </a:ext>
+            </a:extLst>
+          </p:cNvPr>
+          <p:cNvPicPr>
+            <a:picLocks noChangeAspect="1"/>
+          </p:cNvPicPr>
+          <p:nvPr/>
+        </p:nvPicPr>
+        <p:blipFill>
+          <a:blip r:embed="rId2"/>
+          <a:stretch>
+            <a:fillRect/>
+          </a:stretch>
+        </p:blipFill>
+        <p:spPr>
+          <a:xfrm>
+            <a:off x="2580744" y="1328018"/>
+            <a:ext cx="4977778" cy="3530159"/>
+          </a:xfrm>
+          <a:prstGeom prst="rect">
+            <a:avLst/>
+          </a:prstGeom>
+        </p:spPr>
+      </p:pic>
+      <p:pic>
+        <p:nvPicPr>
+          <p:cNvPr id="7" name="그림 6">
+            <a:extLst>
+              <a:ext uri="{FF2B5EF4-FFF2-40B4-BE49-F238E27FC236}">
+                <a16:creationId xmlns:a16="http://schemas.microsoft.com/office/drawing/2014/main" id="{D50789A5-46A4-8836-FF76-6E3B7E61C166}"/>
+              </a:ext>
+            </a:extLst>
+          </p:cNvPr>
+          <p:cNvPicPr>
+            <a:picLocks noChangeAspect="1"/>
+          </p:cNvPicPr>
+          <p:nvPr/>
+        </p:nvPicPr>
+        <p:blipFill>
+          <a:blip r:embed="rId3"/>
+          <a:stretch>
+            <a:fillRect/>
+          </a:stretch>
+        </p:blipFill>
+        <p:spPr>
+          <a:xfrm>
+            <a:off x="4120295" y="2290911"/>
+            <a:ext cx="4977778" cy="3530159"/>
+          </a:xfrm>
+          <a:prstGeom prst="rect">
+            <a:avLst/>
+          </a:prstGeom>
+        </p:spPr>
+      </p:pic>
+    </p:spTree>
+    <p:extLst>
+      <p:ext uri="{BB962C8B-B14F-4D97-AF65-F5344CB8AC3E}">
+        <p14:creationId xmlns:p14="http://schemas.microsoft.com/office/powerpoint/2010/main" val="1847970024"/>
+      </p:ext>
+    </p:extLst>
+  </p:cSld>
+  <p:clrMapOvr>
+    <a:masterClrMapping/>
+  </p:clrMapOvr>
+</p:sld>
+</file>
+
 <file path=ppt/theme/theme1.xml><?xml version="1.0" encoding="utf-8"?>
 <a:theme xmlns:a="http://schemas.openxmlformats.org/drawingml/2006/main" name="Office 테마">
   <a:themeElements>

--- a/요약.pptx
+++ b/요약.pptx
@@ -3366,10 +3366,10 @@
       </p:sp>
       <p:pic>
         <p:nvPicPr>
-          <p:cNvPr id="8" name="그림 7">
-            <a:extLst>
-              <a:ext uri="{FF2B5EF4-FFF2-40B4-BE49-F238E27FC236}">
-                <a16:creationId xmlns:a16="http://schemas.microsoft.com/office/drawing/2014/main" id="{46A74C34-62F2-7E72-D036-0E9312CF212E}"/>
+          <p:cNvPr id="5" name="그림 4">
+            <a:extLst>
+              <a:ext uri="{FF2B5EF4-FFF2-40B4-BE49-F238E27FC236}">
+                <a16:creationId xmlns:a16="http://schemas.microsoft.com/office/drawing/2014/main" id="{8B3BC091-97A0-FBB0-5F3B-FEF8B39A9ECC}"/>
               </a:ext>
             </a:extLst>
           </p:cNvPr>
@@ -3386,8 +3386,8 @@
         </p:blipFill>
         <p:spPr>
           <a:xfrm>
-            <a:off x="1800808" y="1744603"/>
-            <a:ext cx="8849960" cy="4563112"/>
+            <a:off x="265592" y="1535659"/>
+            <a:ext cx="8878539" cy="2553056"/>
           </a:xfrm>
           <a:prstGeom prst="rect">
             <a:avLst/>
@@ -3396,10 +3396,10 @@
       </p:pic>
       <p:pic>
         <p:nvPicPr>
-          <p:cNvPr id="10" name="그림 9">
-            <a:extLst>
-              <a:ext uri="{FF2B5EF4-FFF2-40B4-BE49-F238E27FC236}">
-                <a16:creationId xmlns:a16="http://schemas.microsoft.com/office/drawing/2014/main" id="{FF0786DF-0A8A-C76F-01A5-3EE48828C6BF}"/>
+          <p:cNvPr id="9" name="그림 8">
+            <a:extLst>
+              <a:ext uri="{FF2B5EF4-FFF2-40B4-BE49-F238E27FC236}">
+                <a16:creationId xmlns:a16="http://schemas.microsoft.com/office/drawing/2014/main" id="{C17803E8-8368-8F6B-D249-DFC1EE05321C}"/>
               </a:ext>
             </a:extLst>
           </p:cNvPr>
@@ -3416,8 +3416,8 @@
         </p:blipFill>
         <p:spPr>
           <a:xfrm>
-            <a:off x="6952519" y="2844766"/>
-            <a:ext cx="5239481" cy="4191585"/>
+            <a:off x="4704861" y="2560223"/>
+            <a:ext cx="6182588" cy="4191585"/>
           </a:xfrm>
           <a:prstGeom prst="rect">
             <a:avLst/>
@@ -3456,10 +3456,10 @@
       </p:grpSpPr>
       <p:pic>
         <p:nvPicPr>
-          <p:cNvPr id="5" name="그림 4">
-            <a:extLst>
-              <a:ext uri="{FF2B5EF4-FFF2-40B4-BE49-F238E27FC236}">
-                <a16:creationId xmlns:a16="http://schemas.microsoft.com/office/drawing/2014/main" id="{29FAE550-6E78-DD0C-44F9-1F125FF1B2FC}"/>
+          <p:cNvPr id="9" name="그림 8">
+            <a:extLst>
+              <a:ext uri="{FF2B5EF4-FFF2-40B4-BE49-F238E27FC236}">
+                <a16:creationId xmlns:a16="http://schemas.microsoft.com/office/drawing/2014/main" id="{118708D5-50EB-B9D1-F0AA-52F17EE37A46}"/>
               </a:ext>
             </a:extLst>
           </p:cNvPr>
@@ -3476,8 +3476,8 @@
         </p:blipFill>
         <p:spPr>
           <a:xfrm>
-            <a:off x="248261" y="232262"/>
-            <a:ext cx="6563641" cy="4639322"/>
+            <a:off x="3607111" y="1663920"/>
+            <a:ext cx="4977778" cy="3530159"/>
           </a:xfrm>
           <a:prstGeom prst="rect">
             <a:avLst/>
@@ -3486,10 +3486,10 @@
       </p:pic>
       <p:pic>
         <p:nvPicPr>
-          <p:cNvPr id="7" name="그림 6">
-            <a:extLst>
-              <a:ext uri="{FF2B5EF4-FFF2-40B4-BE49-F238E27FC236}">
-                <a16:creationId xmlns:a16="http://schemas.microsoft.com/office/drawing/2014/main" id="{A1052A27-8DE3-097A-A87B-BBDBE8531D31}"/>
+          <p:cNvPr id="11" name="그림 10">
+            <a:extLst>
+              <a:ext uri="{FF2B5EF4-FFF2-40B4-BE49-F238E27FC236}">
+                <a16:creationId xmlns:a16="http://schemas.microsoft.com/office/drawing/2014/main" id="{8D5322C9-82FF-24D8-4B1D-290ECB4A4250}"/>
               </a:ext>
             </a:extLst>
           </p:cNvPr>
@@ -3506,8 +3506,8 @@
         </p:blipFill>
         <p:spPr>
           <a:xfrm>
-            <a:off x="4901039" y="1828383"/>
-            <a:ext cx="6420746" cy="4582164"/>
+            <a:off x="5697941" y="3327841"/>
+            <a:ext cx="4901587" cy="3530159"/>
           </a:xfrm>
           <a:prstGeom prst="rect">
             <a:avLst/>

--- a/요약.pptx
+++ b/요약.pptx
@@ -3416,7 +3416,7 @@
         </p:blipFill>
         <p:spPr>
           <a:xfrm>
-            <a:off x="4704861" y="2560223"/>
+            <a:off x="5369169" y="4088715"/>
             <a:ext cx="6182588" cy="4191585"/>
           </a:xfrm>
           <a:prstGeom prst="rect">
@@ -3631,10 +3631,10 @@
       </p:sp>
       <p:pic>
         <p:nvPicPr>
-          <p:cNvPr id="6" name="그림 5">
-            <a:extLst>
-              <a:ext uri="{FF2B5EF4-FFF2-40B4-BE49-F238E27FC236}">
-                <a16:creationId xmlns:a16="http://schemas.microsoft.com/office/drawing/2014/main" id="{7586DDED-2214-956F-37B6-92A755195D17}"/>
+          <p:cNvPr id="8" name="그림 7">
+            <a:extLst>
+              <a:ext uri="{FF2B5EF4-FFF2-40B4-BE49-F238E27FC236}">
+                <a16:creationId xmlns:a16="http://schemas.microsoft.com/office/drawing/2014/main" id="{527C1A94-1B02-F2AC-E2DD-293982B7CBE5}"/>
               </a:ext>
             </a:extLst>
           </p:cNvPr>
@@ -3651,8 +3651,8 @@
         </p:blipFill>
         <p:spPr>
           <a:xfrm>
-            <a:off x="1771046" y="1066470"/>
-            <a:ext cx="8649907" cy="4725059"/>
+            <a:off x="7164328" y="3267562"/>
+            <a:ext cx="4544059" cy="3705742"/>
           </a:xfrm>
           <a:prstGeom prst="rect">
             <a:avLst/>
@@ -3661,10 +3661,10 @@
       </p:pic>
       <p:pic>
         <p:nvPicPr>
-          <p:cNvPr id="8" name="그림 7">
-            <a:extLst>
-              <a:ext uri="{FF2B5EF4-FFF2-40B4-BE49-F238E27FC236}">
-                <a16:creationId xmlns:a16="http://schemas.microsoft.com/office/drawing/2014/main" id="{527C1A94-1B02-F2AC-E2DD-293982B7CBE5}"/>
+          <p:cNvPr id="6" name="그림 5">
+            <a:extLst>
+              <a:ext uri="{FF2B5EF4-FFF2-40B4-BE49-F238E27FC236}">
+                <a16:creationId xmlns:a16="http://schemas.microsoft.com/office/drawing/2014/main" id="{7586DDED-2214-956F-37B6-92A755195D17}"/>
               </a:ext>
             </a:extLst>
           </p:cNvPr>
@@ -3681,8 +3681,8 @@
         </p:blipFill>
         <p:spPr>
           <a:xfrm>
-            <a:off x="7164328" y="3267562"/>
-            <a:ext cx="4544059" cy="3705742"/>
+            <a:off x="1771046" y="1066470"/>
+            <a:ext cx="8649907" cy="4725059"/>
           </a:xfrm>
           <a:prstGeom prst="rect">
             <a:avLst/>
